--- a/おみくじアプリ仕様書_梶陽介.pptx
+++ b/おみくじアプリ仕様書_梶陽介.pptx
@@ -8,6 +8,9 @@
     <p:sldId id="259" r:id="rId2"/>
     <p:sldId id="257" r:id="rId3"/>
     <p:sldId id="258" r:id="rId4"/>
+    <p:sldId id="261" r:id="rId5"/>
+    <p:sldId id="260" r:id="rId6"/>
+    <p:sldId id="262" r:id="rId7"/>
   </p:sldIdLst>
   <p:sldSz cx="12192000" cy="6858000"/>
   <p:notesSz cx="6858000" cy="9144000"/>
@@ -395,7 +398,7 @@
           <a:p>
             <a:fld id="{E80C50CD-E178-4744-9B35-B2F624D6C5E9}" type="datetimeFigureOut">
               <a:rPr lang="en-US" smtClean="0"/>
-              <a:t>5/7/2025</a:t>
+              <a:t>6/4/2025</a:t>
             </a:fld>
             <a:endParaRPr lang="en-US"/>
           </a:p>
@@ -593,7 +596,7 @@
           <a:p>
             <a:fld id="{E80C50CD-E178-4744-9B35-B2F624D6C5E9}" type="datetimeFigureOut">
               <a:rPr lang="en-US" smtClean="0"/>
-              <a:t>5/7/2025</a:t>
+              <a:t>6/4/2025</a:t>
             </a:fld>
             <a:endParaRPr lang="en-US"/>
           </a:p>
@@ -801,7 +804,7 @@
           <a:p>
             <a:fld id="{E80C50CD-E178-4744-9B35-B2F624D6C5E9}" type="datetimeFigureOut">
               <a:rPr lang="en-US" smtClean="0"/>
-              <a:t>5/7/2025</a:t>
+              <a:t>6/4/2025</a:t>
             </a:fld>
             <a:endParaRPr lang="en-US"/>
           </a:p>
@@ -1051,7 +1054,7 @@
           <a:p>
             <a:fld id="{E80C50CD-E178-4744-9B35-B2F624D6C5E9}" type="datetimeFigureOut">
               <a:rPr lang="en-US" smtClean="0"/>
-              <a:t>5/7/2025</a:t>
+              <a:t>6/4/2025</a:t>
             </a:fld>
             <a:endParaRPr lang="en-US"/>
           </a:p>
@@ -1330,7 +1333,7 @@
           <a:p>
             <a:fld id="{E80C50CD-E178-4744-9B35-B2F624D6C5E9}" type="datetimeFigureOut">
               <a:rPr lang="en-US" smtClean="0"/>
-              <a:t>5/7/2025</a:t>
+              <a:t>6/4/2025</a:t>
             </a:fld>
             <a:endParaRPr lang="en-US"/>
           </a:p>
@@ -1647,7 +1650,7 @@
           <a:p>
             <a:fld id="{E80C50CD-E178-4744-9B35-B2F624D6C5E9}" type="datetimeFigureOut">
               <a:rPr lang="en-US" smtClean="0"/>
-              <a:t>5/7/2025</a:t>
+              <a:t>6/4/2025</a:t>
             </a:fld>
             <a:endParaRPr lang="en-US"/>
           </a:p>
@@ -2063,7 +2066,7 @@
           <a:p>
             <a:fld id="{E80C50CD-E178-4744-9B35-B2F624D6C5E9}" type="datetimeFigureOut">
               <a:rPr lang="en-US" smtClean="0"/>
-              <a:t>5/7/2025</a:t>
+              <a:t>6/4/2025</a:t>
             </a:fld>
             <a:endParaRPr lang="en-US"/>
           </a:p>
@@ -2204,7 +2207,7 @@
           <a:p>
             <a:fld id="{E80C50CD-E178-4744-9B35-B2F624D6C5E9}" type="datetimeFigureOut">
               <a:rPr lang="en-US" smtClean="0"/>
-              <a:t>5/7/2025</a:t>
+              <a:t>6/4/2025</a:t>
             </a:fld>
             <a:endParaRPr lang="en-US"/>
           </a:p>
@@ -2317,7 +2320,7 @@
           <a:p>
             <a:fld id="{E80C50CD-E178-4744-9B35-B2F624D6C5E9}" type="datetimeFigureOut">
               <a:rPr lang="en-US" smtClean="0"/>
-              <a:t>5/7/2025</a:t>
+              <a:t>6/4/2025</a:t>
             </a:fld>
             <a:endParaRPr lang="en-US"/>
           </a:p>
@@ -2634,7 +2637,7 @@
           <a:p>
             <a:fld id="{E80C50CD-E178-4744-9B35-B2F624D6C5E9}" type="datetimeFigureOut">
               <a:rPr lang="en-US" smtClean="0"/>
-              <a:t>5/7/2025</a:t>
+              <a:t>6/4/2025</a:t>
             </a:fld>
             <a:endParaRPr lang="en-US"/>
           </a:p>
@@ -2926,7 +2929,7 @@
           <a:p>
             <a:fld id="{E80C50CD-E178-4744-9B35-B2F624D6C5E9}" type="datetimeFigureOut">
               <a:rPr lang="en-US" smtClean="0"/>
-              <a:t>5/7/2025</a:t>
+              <a:t>6/4/2025</a:t>
             </a:fld>
             <a:endParaRPr lang="en-US"/>
           </a:p>
@@ -3162,7 +3165,7 @@
             <a:fld id="{E80C50CD-E178-4744-9B35-B2F624D6C5E9}" type="datetimeFigureOut">
               <a:rPr lang="en-US" smtClean="0"/>
               <a:pPr/>
-              <a:t>5/7/2025</a:t>
+              <a:t>6/4/2025</a:t>
             </a:fld>
             <a:endParaRPr lang="en-US"/>
           </a:p>
@@ -3699,7 +3702,7 @@
           <a:p>
             <a:r>
               <a:rPr kumimoji="1" lang="ja-JP" altLang="en-US" dirty="0"/>
-              <a:t>おみくじアプリ</a:t>
+              <a:t>おみくじペット</a:t>
             </a:r>
           </a:p>
         </p:txBody>
@@ -3725,7 +3728,14 @@
           <a:bodyPr/>
           <a:lstStyle/>
           <a:p>
-            <a:endParaRPr kumimoji="1" lang="ja-JP" altLang="en-US"/>
+            <a:r>
+              <a:rPr kumimoji="1" lang="en-US" altLang="ja-JP" dirty="0"/>
+              <a:t>※</a:t>
+            </a:r>
+            <a:r>
+              <a:rPr kumimoji="1" lang="ja-JP" altLang="en-US" dirty="0"/>
+              <a:t>ロゴ追加予定</a:t>
+            </a:r>
           </a:p>
         </p:txBody>
       </p:sp>
@@ -3803,14 +3813,34 @@
             <p:ph idx="1"/>
           </p:nvPr>
         </p:nvSpPr>
-        <p:spPr/>
+        <p:spPr>
+          <a:xfrm>
+            <a:off x="521208" y="2112264"/>
+            <a:ext cx="11155680" cy="3767328"/>
+          </a:xfrm>
+        </p:spPr>
         <p:txBody>
           <a:bodyPr/>
           <a:lstStyle/>
           <a:p>
             <a:r>
               <a:rPr kumimoji="1" lang="ja-JP" altLang="en-US" dirty="0"/>
-              <a:t>内容：ユーザーがボタンを押すと、おみくじがランダムで表示される</a:t>
+              <a:t>ジャンル：運勢・エンタメ</a:t>
+            </a:r>
+            <a:r>
+              <a:rPr kumimoji="1" lang="en-US" altLang="ja-JP" dirty="0"/>
+              <a:t>×</a:t>
+            </a:r>
+            <a:r>
+              <a:rPr kumimoji="1" lang="ja-JP" altLang="en-US" dirty="0"/>
+              <a:t>育成アプリ</a:t>
+            </a:r>
+            <a:endParaRPr kumimoji="1" lang="en-US" altLang="ja-JP" dirty="0"/>
+          </a:p>
+          <a:p>
+            <a:r>
+              <a:rPr kumimoji="1" lang="ja-JP" altLang="en-US" dirty="0"/>
+              <a:t>特徴：おみくじを引くたびにペットが進化！</a:t>
             </a:r>
             <a:endParaRPr kumimoji="1" lang="en-US" altLang="ja-JP" dirty="0"/>
           </a:p>
@@ -3929,7 +3959,7 @@
           <a:p>
             <a:r>
               <a:rPr kumimoji="1" lang="ja-JP" altLang="en-US" dirty="0"/>
-              <a:t>機能一覧</a:t>
+              <a:t>技術構成</a:t>
             </a:r>
           </a:p>
         </p:txBody>
@@ -3957,37 +3987,44 @@
           <a:p>
             <a:r>
               <a:rPr kumimoji="1" lang="ja-JP" altLang="en-US" dirty="0"/>
-              <a:t>おみくじボタン　タップでランダムに結果を表示</a:t>
+              <a:t>開発フレームワーク：</a:t>
+            </a:r>
+            <a:r>
+              <a:rPr kumimoji="1" lang="en-US" altLang="ja-JP" dirty="0"/>
+              <a:t>Flutter</a:t>
+            </a:r>
+          </a:p>
+          <a:p>
+            <a:r>
+              <a:rPr kumimoji="1" lang="ja-JP" altLang="en-US" dirty="0"/>
+              <a:t>アニメーション：</a:t>
+            </a:r>
+            <a:r>
+              <a:rPr kumimoji="1" lang="en-US" altLang="ja-JP" dirty="0" err="1"/>
+              <a:t>AnimatedBuilder</a:t>
+            </a:r>
+            <a:r>
+              <a:rPr kumimoji="1" lang="en-US" altLang="ja-JP" dirty="0"/>
+              <a:t> / Tween / </a:t>
+            </a:r>
+            <a:r>
+              <a:rPr kumimoji="1" lang="en-US" altLang="ja-JP" dirty="0" err="1"/>
+              <a:t>AnimationController</a:t>
             </a:r>
             <a:endParaRPr kumimoji="1" lang="en-US" altLang="ja-JP" dirty="0"/>
           </a:p>
           <a:p>
             <a:r>
               <a:rPr kumimoji="1" lang="ja-JP" altLang="en-US" dirty="0"/>
-              <a:t>結果の表示　</a:t>
-            </a:r>
-            <a:r>
-              <a:rPr kumimoji="1" lang="en-US" altLang="ja-JP" dirty="0"/>
-              <a:t>Text</a:t>
+              <a:t>グラフ描画：</a:t>
+            </a:r>
+            <a:r>
+              <a:rPr kumimoji="1" lang="en-US" altLang="ja-JP" dirty="0" err="1"/>
+              <a:t>fl_chart</a:t>
             </a:r>
             <a:r>
               <a:rPr kumimoji="1" lang="ja-JP" altLang="en-US" dirty="0"/>
-              <a:t>または</a:t>
-            </a:r>
-            <a:r>
-              <a:rPr kumimoji="1" lang="en-US" altLang="ja-JP" dirty="0" err="1"/>
-              <a:t>AlertDialog</a:t>
-            </a:r>
-            <a:r>
-              <a:rPr kumimoji="1" lang="ja-JP" altLang="en-US" dirty="0"/>
-              <a:t>で表示</a:t>
-            </a:r>
-            <a:endParaRPr kumimoji="1" lang="en-US" altLang="ja-JP" dirty="0"/>
-          </a:p>
-          <a:p>
-            <a:r>
-              <a:rPr kumimoji="1" lang="ja-JP" altLang="en-US" dirty="0"/>
-              <a:t>運勢の種類　大吉、中吉、小吉、吉、凶</a:t>
+              <a:t>パッケージ</a:t>
             </a:r>
             <a:endParaRPr kumimoji="1" lang="en-US" altLang="ja-JP" dirty="0"/>
           </a:p>
@@ -4000,6 +4037,305 @@
     <p:extLst>
       <p:ext uri="{BB962C8B-B14F-4D97-AF65-F5344CB8AC3E}">
         <p14:creationId xmlns:p14="http://schemas.microsoft.com/office/powerpoint/2010/main" val="1255869912"/>
+      </p:ext>
+    </p:extLst>
+  </p:cSld>
+  <p:clrMapOvr>
+    <a:masterClrMapping/>
+  </p:clrMapOvr>
+</p:sld>
+</file>
+
+<file path=ppt/slides/slide4.xml><?xml version="1.0" encoding="utf-8"?>
+<p:sld xmlns:a="http://schemas.openxmlformats.org/drawingml/2006/main" xmlns:r="http://schemas.openxmlformats.org/officeDocument/2006/relationships" xmlns:p="http://schemas.openxmlformats.org/presentationml/2006/main">
+  <p:cSld>
+    <p:spTree>
+      <p:nvGrpSpPr>
+        <p:cNvPr id="1" name="">
+          <a:extLst>
+            <a:ext uri="{FF2B5EF4-FFF2-40B4-BE49-F238E27FC236}">
+              <a16:creationId xmlns:a16="http://schemas.microsoft.com/office/drawing/2014/main" id="{2BBB9A72-6738-4777-3068-A20A33DEBD7F}"/>
+            </a:ext>
+          </a:extLst>
+        </p:cNvPr>
+        <p:cNvGrpSpPr/>
+        <p:nvPr/>
+      </p:nvGrpSpPr>
+      <p:grpSpPr>
+        <a:xfrm>
+          <a:off x="0" y="0"/>
+          <a:ext cx="0" cy="0"/>
+          <a:chOff x="0" y="0"/>
+          <a:chExt cx="0" cy="0"/>
+        </a:xfrm>
+      </p:grpSpPr>
+      <p:sp>
+        <p:nvSpPr>
+          <p:cNvPr id="2" name="タイトル 1">
+            <a:extLst>
+              <a:ext uri="{FF2B5EF4-FFF2-40B4-BE49-F238E27FC236}">
+                <a16:creationId xmlns:a16="http://schemas.microsoft.com/office/drawing/2014/main" id="{50115AE9-25CA-0FB5-646F-695998BA41B5}"/>
+              </a:ext>
+            </a:extLst>
+          </p:cNvPr>
+          <p:cNvSpPr>
+            <a:spLocks noGrp="1"/>
+          </p:cNvSpPr>
+          <p:nvPr>
+            <p:ph type="title"/>
+          </p:nvPr>
+        </p:nvSpPr>
+        <p:spPr/>
+        <p:txBody>
+          <a:bodyPr/>
+          <a:lstStyle/>
+          <a:p>
+            <a:r>
+              <a:rPr kumimoji="1" lang="ja-JP" altLang="en-US" dirty="0"/>
+              <a:t>画面構成</a:t>
+            </a:r>
+          </a:p>
+        </p:txBody>
+      </p:sp>
+      <p:sp>
+        <p:nvSpPr>
+          <p:cNvPr id="3" name="コンテンツ プレースホルダー 2">
+            <a:extLst>
+              <a:ext uri="{FF2B5EF4-FFF2-40B4-BE49-F238E27FC236}">
+                <a16:creationId xmlns:a16="http://schemas.microsoft.com/office/drawing/2014/main" id="{EE9243C3-2F23-BDF9-A94E-E73AAB287C97}"/>
+              </a:ext>
+            </a:extLst>
+          </p:cNvPr>
+          <p:cNvSpPr>
+            <a:spLocks noGrp="1"/>
+          </p:cNvSpPr>
+          <p:nvPr>
+            <p:ph idx="1"/>
+          </p:nvPr>
+        </p:nvSpPr>
+        <p:spPr/>
+        <p:txBody>
+          <a:bodyPr/>
+          <a:lstStyle/>
+          <a:p>
+            <a:r>
+              <a:rPr kumimoji="1" lang="en-US" altLang="ja-JP" dirty="0"/>
+              <a:t>※</a:t>
+            </a:r>
+            <a:r>
+              <a:rPr kumimoji="1" lang="ja-JP" altLang="en-US" dirty="0"/>
+              <a:t>のちにスクショが</a:t>
+            </a:r>
+            <a:r>
+              <a:rPr kumimoji="1" lang="en-US" altLang="ja-JP" dirty="0"/>
+              <a:t>Figma</a:t>
+            </a:r>
+            <a:r>
+              <a:rPr kumimoji="1" lang="ja-JP" altLang="en-US" dirty="0"/>
+              <a:t>で作成予定</a:t>
+            </a:r>
+          </a:p>
+        </p:txBody>
+      </p:sp>
+    </p:spTree>
+    <p:extLst>
+      <p:ext uri="{BB962C8B-B14F-4D97-AF65-F5344CB8AC3E}">
+        <p14:creationId xmlns:p14="http://schemas.microsoft.com/office/powerpoint/2010/main" val="2050214830"/>
+      </p:ext>
+    </p:extLst>
+  </p:cSld>
+  <p:clrMapOvr>
+    <a:masterClrMapping/>
+  </p:clrMapOvr>
+</p:sld>
+</file>
+
+<file path=ppt/slides/slide5.xml><?xml version="1.0" encoding="utf-8"?>
+<p:sld xmlns:a="http://schemas.openxmlformats.org/drawingml/2006/main" xmlns:r="http://schemas.openxmlformats.org/officeDocument/2006/relationships" xmlns:p="http://schemas.openxmlformats.org/presentationml/2006/main">
+  <p:cSld>
+    <p:spTree>
+      <p:nvGrpSpPr>
+        <p:cNvPr id="1" name="">
+          <a:extLst>
+            <a:ext uri="{FF2B5EF4-FFF2-40B4-BE49-F238E27FC236}">
+              <a16:creationId xmlns:a16="http://schemas.microsoft.com/office/drawing/2014/main" id="{96D6073C-4BE1-CF2A-0140-B3B43F06B7EE}"/>
+            </a:ext>
+          </a:extLst>
+        </p:cNvPr>
+        <p:cNvGrpSpPr/>
+        <p:nvPr/>
+      </p:nvGrpSpPr>
+      <p:grpSpPr>
+        <a:xfrm>
+          <a:off x="0" y="0"/>
+          <a:ext cx="0" cy="0"/>
+          <a:chOff x="0" y="0"/>
+          <a:chExt cx="0" cy="0"/>
+        </a:xfrm>
+      </p:grpSpPr>
+      <p:sp>
+        <p:nvSpPr>
+          <p:cNvPr id="2" name="タイトル 1">
+            <a:extLst>
+              <a:ext uri="{FF2B5EF4-FFF2-40B4-BE49-F238E27FC236}">
+                <a16:creationId xmlns:a16="http://schemas.microsoft.com/office/drawing/2014/main" id="{901847C7-1C32-68D3-F697-415F184578BA}"/>
+              </a:ext>
+            </a:extLst>
+          </p:cNvPr>
+          <p:cNvSpPr>
+            <a:spLocks noGrp="1"/>
+          </p:cNvSpPr>
+          <p:nvPr>
+            <p:ph type="title"/>
+          </p:nvPr>
+        </p:nvSpPr>
+        <p:spPr/>
+        <p:txBody>
+          <a:bodyPr/>
+          <a:lstStyle/>
+          <a:p>
+            <a:r>
+              <a:rPr kumimoji="1" lang="ja-JP" altLang="en-US" dirty="0"/>
+              <a:t>今後の改善点</a:t>
+            </a:r>
+          </a:p>
+        </p:txBody>
+      </p:sp>
+      <p:sp>
+        <p:nvSpPr>
+          <p:cNvPr id="3" name="コンテンツ プレースホルダー 2">
+            <a:extLst>
+              <a:ext uri="{FF2B5EF4-FFF2-40B4-BE49-F238E27FC236}">
+                <a16:creationId xmlns:a16="http://schemas.microsoft.com/office/drawing/2014/main" id="{2516CC9D-8D1D-BF87-A423-7A85C5A14DD8}"/>
+              </a:ext>
+            </a:extLst>
+          </p:cNvPr>
+          <p:cNvSpPr>
+            <a:spLocks noGrp="1"/>
+          </p:cNvSpPr>
+          <p:nvPr>
+            <p:ph idx="1"/>
+          </p:nvPr>
+        </p:nvSpPr>
+        <p:spPr/>
+        <p:txBody>
+          <a:bodyPr/>
+          <a:lstStyle/>
+          <a:p>
+            <a:r>
+              <a:rPr kumimoji="1" lang="ja-JP" altLang="en-US" dirty="0"/>
+              <a:t>ペットに名前を付けられる機能</a:t>
+            </a:r>
+            <a:endParaRPr kumimoji="1" lang="en-US" altLang="ja-JP" dirty="0"/>
+          </a:p>
+          <a:p>
+            <a:r>
+              <a:rPr kumimoji="1" lang="ja-JP" altLang="en-US" dirty="0"/>
+              <a:t>図鑑モード（アイテムの収集やペットの種類増加）</a:t>
+            </a:r>
+            <a:endParaRPr kumimoji="1" lang="en-US" altLang="ja-JP" dirty="0"/>
+          </a:p>
+          <a:p>
+            <a:r>
+              <a:rPr kumimoji="1" lang="ja-JP" altLang="en-US" dirty="0"/>
+              <a:t>デイリーミッションや称号の追加</a:t>
+            </a:r>
+          </a:p>
+        </p:txBody>
+      </p:sp>
+    </p:spTree>
+    <p:extLst>
+      <p:ext uri="{BB962C8B-B14F-4D97-AF65-F5344CB8AC3E}">
+        <p14:creationId xmlns:p14="http://schemas.microsoft.com/office/powerpoint/2010/main" val="1309268371"/>
+      </p:ext>
+    </p:extLst>
+  </p:cSld>
+  <p:clrMapOvr>
+    <a:masterClrMapping/>
+  </p:clrMapOvr>
+</p:sld>
+</file>
+
+<file path=ppt/slides/slide6.xml><?xml version="1.0" encoding="utf-8"?>
+<p:sld xmlns:a="http://schemas.openxmlformats.org/drawingml/2006/main" xmlns:r="http://schemas.openxmlformats.org/officeDocument/2006/relationships" xmlns:p="http://schemas.openxmlformats.org/presentationml/2006/main">
+  <p:cSld>
+    <p:spTree>
+      <p:nvGrpSpPr>
+        <p:cNvPr id="1" name="">
+          <a:extLst>
+            <a:ext uri="{FF2B5EF4-FFF2-40B4-BE49-F238E27FC236}">
+              <a16:creationId xmlns:a16="http://schemas.microsoft.com/office/drawing/2014/main" id="{33C651F2-2D56-7B3E-0A5C-FB9EF4273667}"/>
+            </a:ext>
+          </a:extLst>
+        </p:cNvPr>
+        <p:cNvGrpSpPr/>
+        <p:nvPr/>
+      </p:nvGrpSpPr>
+      <p:grpSpPr>
+        <a:xfrm>
+          <a:off x="0" y="0"/>
+          <a:ext cx="0" cy="0"/>
+          <a:chOff x="0" y="0"/>
+          <a:chExt cx="0" cy="0"/>
+        </a:xfrm>
+      </p:grpSpPr>
+      <p:sp>
+        <p:nvSpPr>
+          <p:cNvPr id="2" name="タイトル 1">
+            <a:extLst>
+              <a:ext uri="{FF2B5EF4-FFF2-40B4-BE49-F238E27FC236}">
+                <a16:creationId xmlns:a16="http://schemas.microsoft.com/office/drawing/2014/main" id="{85934DB3-AC04-2696-74E7-B0DAE66BE341}"/>
+              </a:ext>
+            </a:extLst>
+          </p:cNvPr>
+          <p:cNvSpPr>
+            <a:spLocks noGrp="1"/>
+          </p:cNvSpPr>
+          <p:nvPr>
+            <p:ph type="title"/>
+          </p:nvPr>
+        </p:nvSpPr>
+        <p:spPr/>
+        <p:txBody>
+          <a:bodyPr/>
+          <a:lstStyle/>
+          <a:p>
+            <a:r>
+              <a:rPr kumimoji="1" lang="ja-JP" altLang="en-US" dirty="0"/>
+              <a:t>まとめ</a:t>
+            </a:r>
+          </a:p>
+        </p:txBody>
+      </p:sp>
+      <p:sp>
+        <p:nvSpPr>
+          <p:cNvPr id="3" name="コンテンツ プレースホルダー 2">
+            <a:extLst>
+              <a:ext uri="{FF2B5EF4-FFF2-40B4-BE49-F238E27FC236}">
+                <a16:creationId xmlns:a16="http://schemas.microsoft.com/office/drawing/2014/main" id="{DF483E21-979A-B885-CF1B-305F76F89755}"/>
+              </a:ext>
+            </a:extLst>
+          </p:cNvPr>
+          <p:cNvSpPr>
+            <a:spLocks noGrp="1"/>
+          </p:cNvSpPr>
+          <p:nvPr>
+            <p:ph idx="1"/>
+          </p:nvPr>
+        </p:nvSpPr>
+        <p:spPr/>
+        <p:txBody>
+          <a:bodyPr/>
+          <a:lstStyle/>
+          <a:p>
+            <a:endParaRPr kumimoji="1" lang="ja-JP" altLang="en-US" dirty="0"/>
+          </a:p>
+        </p:txBody>
+      </p:sp>
+    </p:spTree>
+    <p:extLst>
+      <p:ext uri="{BB962C8B-B14F-4D97-AF65-F5344CB8AC3E}">
+        <p14:creationId xmlns:p14="http://schemas.microsoft.com/office/powerpoint/2010/main" val="4047406854"/>
       </p:ext>
     </p:extLst>
   </p:cSld>
